--- a/school/pro/1st_term_1/基本構造.pptx
+++ b/school/pro/1st_term_1/基本構造.pptx
@@ -270,7 +270,7 @@
           <a:p>
             <a:fld id="{B5F3E997-657D-4E7F-8B4A-29EF0445BC24}" type="datetimeFigureOut">
               <a:rPr kumimoji="1" lang="ja-JP" altLang="en-US" smtClean="0"/>
-              <a:t>2024/4/23</a:t>
+              <a:t>2024/5/7</a:t>
             </a:fld>
             <a:endParaRPr kumimoji="1" lang="ja-JP" altLang="en-US"/>
           </a:p>
@@ -500,7 +500,7 @@
           <a:p>
             <a:fld id="{B5F3E997-657D-4E7F-8B4A-29EF0445BC24}" type="datetimeFigureOut">
               <a:rPr kumimoji="1" lang="ja-JP" altLang="en-US" smtClean="0"/>
-              <a:t>2024/4/23</a:t>
+              <a:t>2024/5/7</a:t>
             </a:fld>
             <a:endParaRPr kumimoji="1" lang="ja-JP" altLang="en-US"/>
           </a:p>
@@ -740,7 +740,7 @@
           <a:p>
             <a:fld id="{B5F3E997-657D-4E7F-8B4A-29EF0445BC24}" type="datetimeFigureOut">
               <a:rPr kumimoji="1" lang="ja-JP" altLang="en-US" smtClean="0"/>
-              <a:t>2024/4/23</a:t>
+              <a:t>2024/5/7</a:t>
             </a:fld>
             <a:endParaRPr kumimoji="1" lang="ja-JP" altLang="en-US"/>
           </a:p>
@@ -970,7 +970,7 @@
           <a:p>
             <a:fld id="{B5F3E997-657D-4E7F-8B4A-29EF0445BC24}" type="datetimeFigureOut">
               <a:rPr kumimoji="1" lang="ja-JP" altLang="en-US" smtClean="0"/>
-              <a:t>2024/4/23</a:t>
+              <a:t>2024/5/7</a:t>
             </a:fld>
             <a:endParaRPr kumimoji="1" lang="ja-JP" altLang="en-US"/>
           </a:p>
@@ -1245,7 +1245,7 @@
           <a:p>
             <a:fld id="{B5F3E997-657D-4E7F-8B4A-29EF0445BC24}" type="datetimeFigureOut">
               <a:rPr kumimoji="1" lang="ja-JP" altLang="en-US" smtClean="0"/>
-              <a:t>2024/4/23</a:t>
+              <a:t>2024/5/7</a:t>
             </a:fld>
             <a:endParaRPr kumimoji="1" lang="ja-JP" altLang="en-US"/>
           </a:p>
@@ -1574,7 +1574,7 @@
           <a:p>
             <a:fld id="{B5F3E997-657D-4E7F-8B4A-29EF0445BC24}" type="datetimeFigureOut">
               <a:rPr kumimoji="1" lang="ja-JP" altLang="en-US" smtClean="0"/>
-              <a:t>2024/4/23</a:t>
+              <a:t>2024/5/7</a:t>
             </a:fld>
             <a:endParaRPr kumimoji="1" lang="ja-JP" altLang="en-US"/>
           </a:p>
@@ -2050,7 +2050,7 @@
           <a:p>
             <a:fld id="{B5F3E997-657D-4E7F-8B4A-29EF0445BC24}" type="datetimeFigureOut">
               <a:rPr kumimoji="1" lang="ja-JP" altLang="en-US" smtClean="0"/>
-              <a:t>2024/4/23</a:t>
+              <a:t>2024/5/7</a:t>
             </a:fld>
             <a:endParaRPr kumimoji="1" lang="ja-JP" altLang="en-US"/>
           </a:p>
@@ -2191,7 +2191,7 @@
           <a:p>
             <a:fld id="{B5F3E997-657D-4E7F-8B4A-29EF0445BC24}" type="datetimeFigureOut">
               <a:rPr kumimoji="1" lang="ja-JP" altLang="en-US" smtClean="0"/>
-              <a:t>2024/4/23</a:t>
+              <a:t>2024/5/7</a:t>
             </a:fld>
             <a:endParaRPr kumimoji="1" lang="ja-JP" altLang="en-US"/>
           </a:p>
@@ -2304,7 +2304,7 @@
           <a:p>
             <a:fld id="{B5F3E997-657D-4E7F-8B4A-29EF0445BC24}" type="datetimeFigureOut">
               <a:rPr kumimoji="1" lang="ja-JP" altLang="en-US" smtClean="0"/>
-              <a:t>2024/4/23</a:t>
+              <a:t>2024/5/7</a:t>
             </a:fld>
             <a:endParaRPr kumimoji="1" lang="ja-JP" altLang="en-US"/>
           </a:p>
@@ -2647,7 +2647,7 @@
           <a:p>
             <a:fld id="{B5F3E997-657D-4E7F-8B4A-29EF0445BC24}" type="datetimeFigureOut">
               <a:rPr kumimoji="1" lang="ja-JP" altLang="en-US" smtClean="0"/>
-              <a:t>2024/4/23</a:t>
+              <a:t>2024/5/7</a:t>
             </a:fld>
             <a:endParaRPr kumimoji="1" lang="ja-JP" altLang="en-US"/>
           </a:p>
@@ -2935,7 +2935,7 @@
           <a:p>
             <a:fld id="{B5F3E997-657D-4E7F-8B4A-29EF0445BC24}" type="datetimeFigureOut">
               <a:rPr kumimoji="1" lang="ja-JP" altLang="en-US" smtClean="0"/>
-              <a:t>2024/4/23</a:t>
+              <a:t>2024/5/7</a:t>
             </a:fld>
             <a:endParaRPr kumimoji="1" lang="ja-JP" altLang="en-US"/>
           </a:p>
@@ -3208,7 +3208,7 @@
           <a:p>
             <a:fld id="{B5F3E997-657D-4E7F-8B4A-29EF0445BC24}" type="datetimeFigureOut">
               <a:rPr kumimoji="1" lang="ja-JP" altLang="en-US" smtClean="0"/>
-              <a:t>2024/4/23</a:t>
+              <a:t>2024/5/7</a:t>
             </a:fld>
             <a:endParaRPr kumimoji="1" lang="ja-JP" altLang="en-US"/>
           </a:p>
@@ -4957,7 +4957,7 @@
           </a:xfrm>
           <a:prstGeom prst="bentConnector3">
             <a:avLst>
-              <a:gd name="adj1" fmla="val -1648875"/>
+              <a:gd name="adj1" fmla="val -3008771"/>
             </a:avLst>
           </a:prstGeom>
           <a:ln w="28575">
@@ -4965,6 +4965,902 @@
               <a:schemeClr val="tx1"/>
             </a:solidFill>
             <a:prstDash val="sysDash"/>
+          </a:ln>
+        </p:spPr>
+        <p:style>
+          <a:lnRef idx="1">
+            <a:schemeClr val="accent1"/>
+          </a:lnRef>
+          <a:fillRef idx="0">
+            <a:schemeClr val="accent1"/>
+          </a:fillRef>
+          <a:effectRef idx="0">
+            <a:schemeClr val="accent1"/>
+          </a:effectRef>
+          <a:fontRef idx="minor">
+            <a:schemeClr val="tx1"/>
+          </a:fontRef>
+        </p:style>
+      </p:cxnSp>
+      <p:cxnSp>
+        <p:nvCxnSpPr>
+          <p:cNvPr id="35" name="直線コネクタ 34">
+            <a:extLst>
+              <a:ext uri="{FF2B5EF4-FFF2-40B4-BE49-F238E27FC236}">
+                <a16:creationId xmlns:a16="http://schemas.microsoft.com/office/drawing/2014/main" id="{23030DFD-D808-43F9-BA74-DC1B09026E3E}"/>
+              </a:ext>
+            </a:extLst>
+          </p:cNvPr>
+          <p:cNvCxnSpPr>
+            <a:stCxn id="37" idx="2"/>
+            <a:endCxn id="38" idx="0"/>
+          </p:cNvCxnSpPr>
+          <p:nvPr/>
+        </p:nvCxnSpPr>
+        <p:spPr>
+          <a:xfrm flipH="1">
+            <a:off x="6091226" y="1500422"/>
+            <a:ext cx="4" cy="3766959"/>
+          </a:xfrm>
+          <a:prstGeom prst="line">
+            <a:avLst/>
+          </a:prstGeom>
+          <a:ln w="28575">
+            <a:solidFill>
+              <a:schemeClr val="tx1"/>
+            </a:solidFill>
+          </a:ln>
+        </p:spPr>
+        <p:style>
+          <a:lnRef idx="1">
+            <a:schemeClr val="accent1"/>
+          </a:lnRef>
+          <a:fillRef idx="0">
+            <a:schemeClr val="accent1"/>
+          </a:fillRef>
+          <a:effectRef idx="0">
+            <a:schemeClr val="accent1"/>
+          </a:effectRef>
+          <a:fontRef idx="minor">
+            <a:schemeClr val="tx1"/>
+          </a:fontRef>
+        </p:style>
+      </p:cxnSp>
+      <p:sp>
+        <p:nvSpPr>
+          <p:cNvPr id="36" name="テキスト ボックス 35">
+            <a:extLst>
+              <a:ext uri="{FF2B5EF4-FFF2-40B4-BE49-F238E27FC236}">
+                <a16:creationId xmlns:a16="http://schemas.microsoft.com/office/drawing/2014/main" id="{EF625825-AEB3-4D4C-BB5E-7975E34866F0}"/>
+              </a:ext>
+            </a:extLst>
+          </p:cNvPr>
+          <p:cNvSpPr txBox="1"/>
+          <p:nvPr/>
+        </p:nvSpPr>
+        <p:spPr>
+          <a:xfrm>
+            <a:off x="5478488" y="362477"/>
+            <a:ext cx="1225484" cy="276999"/>
+          </a:xfrm>
+          <a:prstGeom prst="rect">
+            <a:avLst/>
+          </a:prstGeom>
+          <a:noFill/>
+        </p:spPr>
+        <p:txBody>
+          <a:bodyPr wrap="square" lIns="0" tIns="0" rIns="0" bIns="0" rtlCol="0">
+            <a:spAutoFit/>
+          </a:bodyPr>
+          <a:lstStyle/>
+          <a:p>
+            <a:pPr algn="ctr"/>
+            <a:r>
+              <a:rPr kumimoji="1" lang="en-US" altLang="ja-JP" dirty="0">
+                <a:latin typeface="M PLUS 1 Medium" pitchFamily="2" charset="-128"/>
+                <a:ea typeface="M PLUS 1 Medium" pitchFamily="2" charset="-128"/>
+              </a:rPr>
+              <a:t>ver9.py</a:t>
+            </a:r>
+            <a:endParaRPr kumimoji="1" lang="ja-JP" altLang="en-US" dirty="0">
+              <a:latin typeface="M PLUS 1 Medium" pitchFamily="2" charset="-128"/>
+              <a:ea typeface="M PLUS 1 Medium" pitchFamily="2" charset="-128"/>
+            </a:endParaRPr>
+          </a:p>
+        </p:txBody>
+      </p:sp>
+      <p:sp>
+        <p:nvSpPr>
+          <p:cNvPr id="37" name="フローチャート: 端子 36">
+            <a:extLst>
+              <a:ext uri="{FF2B5EF4-FFF2-40B4-BE49-F238E27FC236}">
+                <a16:creationId xmlns:a16="http://schemas.microsoft.com/office/drawing/2014/main" id="{B170A966-6CBA-4D26-86DE-F8A7F54CF18A}"/>
+              </a:ext>
+            </a:extLst>
+          </p:cNvPr>
+          <p:cNvSpPr/>
+          <p:nvPr/>
+        </p:nvSpPr>
+        <p:spPr>
+          <a:xfrm>
+            <a:off x="5308805" y="984022"/>
+            <a:ext cx="1564849" cy="516400"/>
+          </a:xfrm>
+          <a:prstGeom prst="flowChartTerminator">
+            <a:avLst/>
+          </a:prstGeom>
+          <a:solidFill>
+            <a:schemeClr val="bg1"/>
+          </a:solidFill>
+          <a:ln w="28575">
+            <a:solidFill>
+              <a:schemeClr val="tx1"/>
+            </a:solidFill>
+          </a:ln>
+        </p:spPr>
+        <p:style>
+          <a:lnRef idx="2">
+            <a:schemeClr val="accent1">
+              <a:shade val="50000"/>
+            </a:schemeClr>
+          </a:lnRef>
+          <a:fillRef idx="1">
+            <a:schemeClr val="accent1"/>
+          </a:fillRef>
+          <a:effectRef idx="0">
+            <a:schemeClr val="accent1"/>
+          </a:effectRef>
+          <a:fontRef idx="minor">
+            <a:schemeClr val="lt1"/>
+          </a:fontRef>
+        </p:style>
+        <p:txBody>
+          <a:bodyPr rtlCol="0" anchor="ctr"/>
+          <a:lstStyle/>
+          <a:p>
+            <a:pPr algn="ctr"/>
+            <a:r>
+              <a:rPr kumimoji="1" lang="ja-JP" altLang="en-US" dirty="0">
+                <a:solidFill>
+                  <a:schemeClr val="tx1"/>
+                </a:solidFill>
+                <a:latin typeface="M PLUS 1 Medium" pitchFamily="2" charset="-128"/>
+                <a:ea typeface="M PLUS 1 Medium" pitchFamily="2" charset="-128"/>
+              </a:rPr>
+              <a:t>始め</a:t>
+            </a:r>
+          </a:p>
+        </p:txBody>
+      </p:sp>
+      <p:sp>
+        <p:nvSpPr>
+          <p:cNvPr id="38" name="フローチャート: 端子 37">
+            <a:extLst>
+              <a:ext uri="{FF2B5EF4-FFF2-40B4-BE49-F238E27FC236}">
+                <a16:creationId xmlns:a16="http://schemas.microsoft.com/office/drawing/2014/main" id="{27A2ADA7-6FF4-4099-B49A-2FA1DB2870A8}"/>
+              </a:ext>
+            </a:extLst>
+          </p:cNvPr>
+          <p:cNvSpPr/>
+          <p:nvPr/>
+        </p:nvSpPr>
+        <p:spPr>
+          <a:xfrm>
+            <a:off x="5308801" y="5267381"/>
+            <a:ext cx="1564849" cy="516400"/>
+          </a:xfrm>
+          <a:prstGeom prst="flowChartTerminator">
+            <a:avLst/>
+          </a:prstGeom>
+          <a:solidFill>
+            <a:schemeClr val="bg1"/>
+          </a:solidFill>
+          <a:ln w="28575">
+            <a:solidFill>
+              <a:schemeClr val="tx1"/>
+            </a:solidFill>
+          </a:ln>
+        </p:spPr>
+        <p:style>
+          <a:lnRef idx="2">
+            <a:schemeClr val="accent1">
+              <a:shade val="50000"/>
+            </a:schemeClr>
+          </a:lnRef>
+          <a:fillRef idx="1">
+            <a:schemeClr val="accent1"/>
+          </a:fillRef>
+          <a:effectRef idx="0">
+            <a:schemeClr val="accent1"/>
+          </a:effectRef>
+          <a:fontRef idx="minor">
+            <a:schemeClr val="lt1"/>
+          </a:fontRef>
+        </p:style>
+        <p:txBody>
+          <a:bodyPr rtlCol="0" anchor="ctr"/>
+          <a:lstStyle/>
+          <a:p>
+            <a:pPr algn="ctr"/>
+            <a:r>
+              <a:rPr lang="ja-JP" altLang="en-US" dirty="0">
+                <a:solidFill>
+                  <a:schemeClr val="tx1"/>
+                </a:solidFill>
+                <a:latin typeface="M PLUS 1 Medium" pitchFamily="2" charset="-128"/>
+                <a:ea typeface="M PLUS 1 Medium" pitchFamily="2" charset="-128"/>
+              </a:rPr>
+              <a:t>終わり</a:t>
+            </a:r>
+            <a:endParaRPr kumimoji="1" lang="ja-JP" altLang="en-US" dirty="0">
+              <a:solidFill>
+                <a:schemeClr val="tx1"/>
+              </a:solidFill>
+              <a:latin typeface="M PLUS 1 Medium" pitchFamily="2" charset="-128"/>
+              <a:ea typeface="M PLUS 1 Medium" pitchFamily="2" charset="-128"/>
+            </a:endParaRPr>
+          </a:p>
+        </p:txBody>
+      </p:sp>
+      <p:sp>
+        <p:nvSpPr>
+          <p:cNvPr id="39" name="フローチャート: 処理 38">
+            <a:extLst>
+              <a:ext uri="{FF2B5EF4-FFF2-40B4-BE49-F238E27FC236}">
+                <a16:creationId xmlns:a16="http://schemas.microsoft.com/office/drawing/2014/main" id="{C641EEC5-1708-407E-860C-13A837423506}"/>
+              </a:ext>
+            </a:extLst>
+          </p:cNvPr>
+          <p:cNvSpPr/>
+          <p:nvPr/>
+        </p:nvSpPr>
+        <p:spPr>
+          <a:xfrm>
+            <a:off x="5181538" y="1717162"/>
+            <a:ext cx="1819373" cy="367180"/>
+          </a:xfrm>
+          <a:prstGeom prst="flowChartProcess">
+            <a:avLst/>
+          </a:prstGeom>
+          <a:solidFill>
+            <a:schemeClr val="bg1"/>
+          </a:solidFill>
+          <a:ln w="28575">
+            <a:solidFill>
+              <a:schemeClr val="tx1"/>
+            </a:solidFill>
+          </a:ln>
+        </p:spPr>
+        <p:style>
+          <a:lnRef idx="2">
+            <a:schemeClr val="accent1">
+              <a:shade val="50000"/>
+            </a:schemeClr>
+          </a:lnRef>
+          <a:fillRef idx="1">
+            <a:schemeClr val="accent1"/>
+          </a:fillRef>
+          <a:effectRef idx="0">
+            <a:schemeClr val="accent1"/>
+          </a:effectRef>
+          <a:fontRef idx="minor">
+            <a:schemeClr val="lt1"/>
+          </a:fontRef>
+        </p:style>
+        <p:txBody>
+          <a:bodyPr rtlCol="0" anchor="ctr"/>
+          <a:lstStyle/>
+          <a:p>
+            <a:pPr algn="ctr"/>
+            <a:r>
+              <a:rPr lang="en-US" altLang="ja-JP" sz="1200" dirty="0">
+                <a:solidFill>
+                  <a:schemeClr val="tx1"/>
+                </a:solidFill>
+                <a:latin typeface="M PLUS 1 Medium" pitchFamily="2" charset="-128"/>
+                <a:ea typeface="M PLUS 1 Medium" pitchFamily="2" charset="-128"/>
+              </a:rPr>
+              <a:t>b = “</a:t>
+            </a:r>
+            <a:r>
+              <a:rPr lang="ja-JP" altLang="en-US" sz="1200" dirty="0">
+                <a:solidFill>
+                  <a:schemeClr val="tx1"/>
+                </a:solidFill>
+                <a:latin typeface="M PLUS 1 Medium" pitchFamily="2" charset="-128"/>
+                <a:ea typeface="M PLUS 1 Medium" pitchFamily="2" charset="-128"/>
+              </a:rPr>
+              <a:t>こんにちは</a:t>
+            </a:r>
+            <a:r>
+              <a:rPr lang="en-US" altLang="ja-JP" sz="1200" dirty="0">
+                <a:solidFill>
+                  <a:schemeClr val="tx1"/>
+                </a:solidFill>
+                <a:latin typeface="M PLUS 1 Medium" pitchFamily="2" charset="-128"/>
+                <a:ea typeface="M PLUS 1 Medium" pitchFamily="2" charset="-128"/>
+              </a:rPr>
+              <a:t>”</a:t>
+            </a:r>
+            <a:endParaRPr kumimoji="1" lang="ja-JP" altLang="en-US" sz="1200" dirty="0">
+              <a:solidFill>
+                <a:schemeClr val="tx1"/>
+              </a:solidFill>
+              <a:latin typeface="M PLUS 1 Medium" pitchFamily="2" charset="-128"/>
+              <a:ea typeface="M PLUS 1 Medium" pitchFamily="2" charset="-128"/>
+            </a:endParaRPr>
+          </a:p>
+        </p:txBody>
+      </p:sp>
+      <p:sp>
+        <p:nvSpPr>
+          <p:cNvPr id="42" name="フローチャート: 処理 41">
+            <a:extLst>
+              <a:ext uri="{FF2B5EF4-FFF2-40B4-BE49-F238E27FC236}">
+                <a16:creationId xmlns:a16="http://schemas.microsoft.com/office/drawing/2014/main" id="{93143A86-875F-435A-9136-96909A8F1362}"/>
+              </a:ext>
+            </a:extLst>
+          </p:cNvPr>
+          <p:cNvSpPr/>
+          <p:nvPr/>
+        </p:nvSpPr>
+        <p:spPr>
+          <a:xfrm>
+            <a:off x="5494907" y="6128327"/>
+            <a:ext cx="1192643" cy="367194"/>
+          </a:xfrm>
+          <a:prstGeom prst="flowChartProcess">
+            <a:avLst/>
+          </a:prstGeom>
+          <a:solidFill>
+            <a:srgbClr val="FFFF00"/>
+          </a:solidFill>
+          <a:ln w="28575">
+            <a:noFill/>
+          </a:ln>
+        </p:spPr>
+        <p:style>
+          <a:lnRef idx="2">
+            <a:schemeClr val="accent1">
+              <a:shade val="50000"/>
+            </a:schemeClr>
+          </a:lnRef>
+          <a:fillRef idx="1">
+            <a:schemeClr val="accent1"/>
+          </a:fillRef>
+          <a:effectRef idx="0">
+            <a:schemeClr val="accent1"/>
+          </a:effectRef>
+          <a:fontRef idx="minor">
+            <a:schemeClr val="lt1"/>
+          </a:fontRef>
+        </p:style>
+        <p:txBody>
+          <a:bodyPr rtlCol="0" anchor="ctr"/>
+          <a:lstStyle/>
+          <a:p>
+            <a:pPr algn="ctr"/>
+            <a:r>
+              <a:rPr lang="ja-JP" altLang="en-US" sz="1400" dirty="0">
+                <a:solidFill>
+                  <a:schemeClr val="tx1"/>
+                </a:solidFill>
+                <a:latin typeface="M PLUS 1 Medium" pitchFamily="2" charset="-128"/>
+                <a:ea typeface="M PLUS 1 Medium" pitchFamily="2" charset="-128"/>
+              </a:rPr>
+              <a:t>選択</a:t>
+            </a:r>
+            <a:r>
+              <a:rPr kumimoji="1" lang="ja-JP" altLang="en-US" sz="1400" dirty="0">
+                <a:solidFill>
+                  <a:schemeClr val="tx1"/>
+                </a:solidFill>
+                <a:latin typeface="M PLUS 1 Medium" pitchFamily="2" charset="-128"/>
+                <a:ea typeface="M PLUS 1 Medium" pitchFamily="2" charset="-128"/>
+              </a:rPr>
+              <a:t>構造</a:t>
+            </a:r>
+          </a:p>
+        </p:txBody>
+      </p:sp>
+      <p:sp>
+        <p:nvSpPr>
+          <p:cNvPr id="43" name="フローチャート: 処理 42">
+            <a:extLst>
+              <a:ext uri="{FF2B5EF4-FFF2-40B4-BE49-F238E27FC236}">
+                <a16:creationId xmlns:a16="http://schemas.microsoft.com/office/drawing/2014/main" id="{26D610A3-0F6F-402B-959D-E5A329B59277}"/>
+              </a:ext>
+            </a:extLst>
+          </p:cNvPr>
+          <p:cNvSpPr/>
+          <p:nvPr/>
+        </p:nvSpPr>
+        <p:spPr>
+          <a:xfrm>
+            <a:off x="5181536" y="3414474"/>
+            <a:ext cx="1819373" cy="367180"/>
+          </a:xfrm>
+          <a:prstGeom prst="flowChartProcess">
+            <a:avLst/>
+          </a:prstGeom>
+          <a:solidFill>
+            <a:schemeClr val="bg1"/>
+          </a:solidFill>
+          <a:ln w="28575">
+            <a:solidFill>
+              <a:schemeClr val="tx1"/>
+            </a:solidFill>
+          </a:ln>
+        </p:spPr>
+        <p:style>
+          <a:lnRef idx="2">
+            <a:schemeClr val="accent1">
+              <a:shade val="50000"/>
+            </a:schemeClr>
+          </a:lnRef>
+          <a:fillRef idx="1">
+            <a:schemeClr val="accent1"/>
+          </a:fillRef>
+          <a:effectRef idx="0">
+            <a:schemeClr val="accent1"/>
+          </a:effectRef>
+          <a:fontRef idx="minor">
+            <a:schemeClr val="lt1"/>
+          </a:fontRef>
+        </p:style>
+        <p:txBody>
+          <a:bodyPr rtlCol="0" anchor="ctr"/>
+          <a:lstStyle/>
+          <a:p>
+            <a:pPr algn="ctr"/>
+            <a:r>
+              <a:rPr kumimoji="1" lang="en-US" altLang="ja-JP" sz="1100" kern="1200" dirty="0">
+                <a:solidFill>
+                  <a:srgbClr val="000000"/>
+                </a:solidFill>
+                <a:effectLst/>
+                <a:latin typeface="M PLUS 1 Medium" pitchFamily="2" charset="-128"/>
+                <a:ea typeface="M PLUS 1 Medium" pitchFamily="2" charset="-128"/>
+                <a:cs typeface="+mn-cs"/>
+              </a:rPr>
+              <a:t>print(“</a:t>
+            </a:r>
+            <a:r>
+              <a:rPr kumimoji="1" lang="ja-JP" altLang="ja-JP" sz="1100" kern="1200" dirty="0">
+                <a:solidFill>
+                  <a:srgbClr val="000000"/>
+                </a:solidFill>
+                <a:effectLst/>
+                <a:latin typeface="M PLUS 1 Medium" pitchFamily="2" charset="-128"/>
+                <a:ea typeface="M PLUS 1 Medium" pitchFamily="2" charset="-128"/>
+                <a:cs typeface="+mn-cs"/>
+              </a:rPr>
+              <a:t> </a:t>
+            </a:r>
+            <a:r>
+              <a:rPr kumimoji="1" lang="en-US" altLang="ja-JP" sz="1100" kern="1200" dirty="0">
+                <a:solidFill>
+                  <a:srgbClr val="000000"/>
+                </a:solidFill>
+                <a:effectLst/>
+                <a:latin typeface="M PLUS 1 Medium" pitchFamily="2" charset="-128"/>
+                <a:ea typeface="M PLUS 1 Medium" pitchFamily="2" charset="-128"/>
+                <a:cs typeface="+mn-cs"/>
+              </a:rPr>
+              <a:t>int(b)</a:t>
+            </a:r>
+            <a:r>
+              <a:rPr kumimoji="1" lang="ja-JP" altLang="ja-JP" sz="1100" kern="1200" dirty="0">
+                <a:solidFill>
+                  <a:srgbClr val="000000"/>
+                </a:solidFill>
+                <a:effectLst/>
+                <a:latin typeface="M PLUS 1 Medium" pitchFamily="2" charset="-128"/>
+                <a:ea typeface="M PLUS 1 Medium" pitchFamily="2" charset="-128"/>
+                <a:cs typeface="+mn-cs"/>
+              </a:rPr>
+              <a:t> </a:t>
+            </a:r>
+            <a:r>
+              <a:rPr kumimoji="1" lang="en-US" altLang="ja-JP" sz="1100" kern="1200" dirty="0">
+                <a:solidFill>
+                  <a:srgbClr val="000000"/>
+                </a:solidFill>
+                <a:effectLst/>
+                <a:latin typeface="M PLUS 1 Medium" pitchFamily="2" charset="-128"/>
+                <a:ea typeface="M PLUS 1 Medium" pitchFamily="2" charset="-128"/>
+                <a:cs typeface="+mn-cs"/>
+              </a:rPr>
+              <a:t>+</a:t>
+            </a:r>
+            <a:r>
+              <a:rPr kumimoji="1" lang="ja-JP" altLang="ja-JP" sz="1100" kern="1200" dirty="0">
+                <a:solidFill>
+                  <a:srgbClr val="000000"/>
+                </a:solidFill>
+                <a:effectLst/>
+                <a:latin typeface="M PLUS 1 Medium" pitchFamily="2" charset="-128"/>
+                <a:ea typeface="M PLUS 1 Medium" pitchFamily="2" charset="-128"/>
+                <a:cs typeface="+mn-cs"/>
+              </a:rPr>
+              <a:t> </a:t>
+            </a:r>
+            <a:r>
+              <a:rPr kumimoji="1" lang="en-US" altLang="ja-JP" sz="1100" kern="1200" dirty="0">
+                <a:solidFill>
+                  <a:srgbClr val="000000"/>
+                </a:solidFill>
+                <a:effectLst/>
+                <a:latin typeface="M PLUS 1 Medium" pitchFamily="2" charset="-128"/>
+                <a:ea typeface="M PLUS 1 Medium" pitchFamily="2" charset="-128"/>
+                <a:cs typeface="+mn-cs"/>
+              </a:rPr>
+              <a:t>23</a:t>
+            </a:r>
+            <a:r>
+              <a:rPr kumimoji="1" lang="ja-JP" altLang="ja-JP" sz="1100" kern="1200" dirty="0">
+                <a:solidFill>
+                  <a:srgbClr val="000000"/>
+                </a:solidFill>
+                <a:effectLst/>
+                <a:latin typeface="M PLUS 1 Medium" pitchFamily="2" charset="-128"/>
+                <a:ea typeface="M PLUS 1 Medium" pitchFamily="2" charset="-128"/>
+                <a:cs typeface="+mn-cs"/>
+              </a:rPr>
+              <a:t> </a:t>
+            </a:r>
+            <a:r>
+              <a:rPr kumimoji="1" lang="en-US" altLang="ja-JP" sz="1100" kern="1200" dirty="0">
+                <a:solidFill>
+                  <a:srgbClr val="000000"/>
+                </a:solidFill>
+                <a:effectLst/>
+                <a:latin typeface="M PLUS 1 Medium" pitchFamily="2" charset="-128"/>
+                <a:ea typeface="M PLUS 1 Medium" pitchFamily="2" charset="-128"/>
+                <a:cs typeface="+mn-cs"/>
+              </a:rPr>
+              <a:t>”)</a:t>
+            </a:r>
+            <a:endParaRPr lang="ja-JP" altLang="ja-JP" sz="1100" dirty="0">
+              <a:effectLst/>
+            </a:endParaRPr>
+          </a:p>
+        </p:txBody>
+      </p:sp>
+      <p:sp>
+        <p:nvSpPr>
+          <p:cNvPr id="3" name="フローチャート: 判断 2">
+            <a:extLst>
+              <a:ext uri="{FF2B5EF4-FFF2-40B4-BE49-F238E27FC236}">
+                <a16:creationId xmlns:a16="http://schemas.microsoft.com/office/drawing/2014/main" id="{52B8729F-FBCD-453F-8AFD-62484E6AC31F}"/>
+              </a:ext>
+            </a:extLst>
+          </p:cNvPr>
+          <p:cNvSpPr/>
+          <p:nvPr/>
+        </p:nvSpPr>
+        <p:spPr>
+          <a:xfrm>
+            <a:off x="5005932" y="2350722"/>
+            <a:ext cx="2170579" cy="744718"/>
+          </a:xfrm>
+          <a:prstGeom prst="flowChartDecision">
+            <a:avLst/>
+          </a:prstGeom>
+          <a:solidFill>
+            <a:schemeClr val="bg1"/>
+          </a:solidFill>
+          <a:ln w="28575">
+            <a:solidFill>
+              <a:schemeClr val="tx1"/>
+            </a:solidFill>
+          </a:ln>
+        </p:spPr>
+        <p:style>
+          <a:lnRef idx="2">
+            <a:schemeClr val="accent1">
+              <a:shade val="50000"/>
+            </a:schemeClr>
+          </a:lnRef>
+          <a:fillRef idx="1">
+            <a:schemeClr val="accent1"/>
+          </a:fillRef>
+          <a:effectRef idx="0">
+            <a:schemeClr val="accent1"/>
+          </a:effectRef>
+          <a:fontRef idx="minor">
+            <a:schemeClr val="lt1"/>
+          </a:fontRef>
+        </p:style>
+        <p:txBody>
+          <a:bodyPr rtlCol="0" anchor="ctr"/>
+          <a:lstStyle/>
+          <a:p>
+            <a:pPr algn="ctr"/>
+            <a:r>
+              <a:rPr kumimoji="1" lang="ja-JP" altLang="en-US" sz="1100" dirty="0">
+                <a:solidFill>
+                  <a:schemeClr val="tx1"/>
+                </a:solidFill>
+                <a:latin typeface="M PLUS 1 Medium" pitchFamily="2" charset="-128"/>
+                <a:ea typeface="M PLUS 1 Medium" pitchFamily="2" charset="-128"/>
+              </a:rPr>
+              <a:t>もし </a:t>
+            </a:r>
+            <a:r>
+              <a:rPr kumimoji="1" lang="en-US" altLang="ja-JP" sz="1100" dirty="0">
+                <a:solidFill>
+                  <a:schemeClr val="tx1"/>
+                </a:solidFill>
+                <a:latin typeface="M PLUS 1 Medium" pitchFamily="2" charset="-128"/>
+                <a:ea typeface="M PLUS 1 Medium" pitchFamily="2" charset="-128"/>
+              </a:rPr>
+              <a:t>b</a:t>
+            </a:r>
+            <a:r>
+              <a:rPr kumimoji="1" lang="ja-JP" altLang="en-US" sz="1100" dirty="0">
+                <a:solidFill>
+                  <a:schemeClr val="tx1"/>
+                </a:solidFill>
+                <a:latin typeface="M PLUS 1 Medium" pitchFamily="2" charset="-128"/>
+                <a:ea typeface="M PLUS 1 Medium" pitchFamily="2" charset="-128"/>
+              </a:rPr>
+              <a:t> が数値だったら</a:t>
+            </a:r>
+          </a:p>
+        </p:txBody>
+      </p:sp>
+      <p:sp>
+        <p:nvSpPr>
+          <p:cNvPr id="44" name="フローチャート: 処理 43">
+            <a:extLst>
+              <a:ext uri="{FF2B5EF4-FFF2-40B4-BE49-F238E27FC236}">
+                <a16:creationId xmlns:a16="http://schemas.microsoft.com/office/drawing/2014/main" id="{4EACD5FB-1588-4884-9D98-3C27444F0A32}"/>
+              </a:ext>
+            </a:extLst>
+          </p:cNvPr>
+          <p:cNvSpPr/>
+          <p:nvPr/>
+        </p:nvSpPr>
+        <p:spPr>
+          <a:xfrm>
+            <a:off x="6651450" y="3973747"/>
+            <a:ext cx="1819373" cy="367180"/>
+          </a:xfrm>
+          <a:prstGeom prst="flowChartProcess">
+            <a:avLst/>
+          </a:prstGeom>
+          <a:solidFill>
+            <a:schemeClr val="bg1"/>
+          </a:solidFill>
+          <a:ln w="28575">
+            <a:solidFill>
+              <a:schemeClr val="tx1"/>
+            </a:solidFill>
+          </a:ln>
+        </p:spPr>
+        <p:style>
+          <a:lnRef idx="2">
+            <a:schemeClr val="accent1">
+              <a:shade val="50000"/>
+            </a:schemeClr>
+          </a:lnRef>
+          <a:fillRef idx="1">
+            <a:schemeClr val="accent1"/>
+          </a:fillRef>
+          <a:effectRef idx="0">
+            <a:schemeClr val="accent1"/>
+          </a:effectRef>
+          <a:fontRef idx="minor">
+            <a:schemeClr val="lt1"/>
+          </a:fontRef>
+        </p:style>
+        <p:txBody>
+          <a:bodyPr rtlCol="0" anchor="ctr"/>
+          <a:lstStyle/>
+          <a:p>
+            <a:pPr algn="ctr"/>
+            <a:r>
+              <a:rPr kumimoji="1" lang="en-US" altLang="ja-JP" sz="1100" kern="1200" dirty="0">
+                <a:solidFill>
+                  <a:srgbClr val="000000"/>
+                </a:solidFill>
+                <a:effectLst/>
+                <a:latin typeface="M PLUS 1 Medium" pitchFamily="2" charset="-128"/>
+                <a:ea typeface="M PLUS 1 Medium" pitchFamily="2" charset="-128"/>
+                <a:cs typeface="+mn-cs"/>
+              </a:rPr>
+              <a:t>print(“</a:t>
+            </a:r>
+            <a:r>
+              <a:rPr kumimoji="1" lang="ja-JP" altLang="ja-JP" sz="1100" kern="1200" dirty="0">
+                <a:solidFill>
+                  <a:srgbClr val="000000"/>
+                </a:solidFill>
+                <a:effectLst/>
+                <a:latin typeface="M PLUS 1 Medium" pitchFamily="2" charset="-128"/>
+                <a:ea typeface="M PLUS 1 Medium" pitchFamily="2" charset="-128"/>
+                <a:cs typeface="+mn-cs"/>
+              </a:rPr>
+              <a:t>数値じゃないよ</a:t>
+            </a:r>
+            <a:r>
+              <a:rPr kumimoji="1" lang="en-US" altLang="ja-JP" sz="1100" kern="1200" dirty="0">
+                <a:solidFill>
+                  <a:srgbClr val="000000"/>
+                </a:solidFill>
+                <a:effectLst/>
+                <a:latin typeface="M PLUS 1 Medium" pitchFamily="2" charset="-128"/>
+                <a:ea typeface="M PLUS 1 Medium" pitchFamily="2" charset="-128"/>
+                <a:cs typeface="+mn-cs"/>
+              </a:rPr>
+              <a:t>”)</a:t>
+            </a:r>
+            <a:endParaRPr kumimoji="1" lang="ja-JP" altLang="en-US" sz="1100" dirty="0">
+              <a:solidFill>
+                <a:schemeClr val="tx1"/>
+              </a:solidFill>
+              <a:latin typeface="M PLUS 1 Medium" pitchFamily="2" charset="-128"/>
+              <a:ea typeface="M PLUS 1 Medium" pitchFamily="2" charset="-128"/>
+            </a:endParaRPr>
+          </a:p>
+        </p:txBody>
+      </p:sp>
+      <p:cxnSp>
+        <p:nvCxnSpPr>
+          <p:cNvPr id="47" name="コネクタ: カギ線 46">
+            <a:extLst>
+              <a:ext uri="{FF2B5EF4-FFF2-40B4-BE49-F238E27FC236}">
+                <a16:creationId xmlns:a16="http://schemas.microsoft.com/office/drawing/2014/main" id="{666B2A3F-E8D9-47A1-A529-BEDC527DCBE8}"/>
+              </a:ext>
+            </a:extLst>
+          </p:cNvPr>
+          <p:cNvCxnSpPr>
+            <a:stCxn id="3" idx="3"/>
+            <a:endCxn id="44" idx="0"/>
+          </p:cNvCxnSpPr>
+          <p:nvPr/>
+        </p:nvCxnSpPr>
+        <p:spPr>
+          <a:xfrm>
+            <a:off x="7176511" y="2723081"/>
+            <a:ext cx="384626" cy="1250666"/>
+          </a:xfrm>
+          <a:prstGeom prst="bentConnector2">
+            <a:avLst/>
+          </a:prstGeom>
+          <a:ln w="28575">
+            <a:solidFill>
+              <a:schemeClr val="tx1"/>
+            </a:solidFill>
+          </a:ln>
+        </p:spPr>
+        <p:style>
+          <a:lnRef idx="1">
+            <a:schemeClr val="accent1"/>
+          </a:lnRef>
+          <a:fillRef idx="0">
+            <a:schemeClr val="accent1"/>
+          </a:fillRef>
+          <a:effectRef idx="0">
+            <a:schemeClr val="accent1"/>
+          </a:effectRef>
+          <a:fontRef idx="minor">
+            <a:schemeClr val="tx1"/>
+          </a:fontRef>
+        </p:style>
+      </p:cxnSp>
+      <p:sp>
+        <p:nvSpPr>
+          <p:cNvPr id="49" name="テキスト ボックス 48">
+            <a:extLst>
+              <a:ext uri="{FF2B5EF4-FFF2-40B4-BE49-F238E27FC236}">
+                <a16:creationId xmlns:a16="http://schemas.microsoft.com/office/drawing/2014/main" id="{EC667577-B2F5-4CB2-B73A-B939CDDF20AD}"/>
+              </a:ext>
+            </a:extLst>
+          </p:cNvPr>
+          <p:cNvSpPr txBox="1"/>
+          <p:nvPr/>
+        </p:nvSpPr>
+        <p:spPr>
+          <a:xfrm>
+            <a:off x="7163031" y="2445191"/>
+            <a:ext cx="391454" cy="276999"/>
+          </a:xfrm>
+          <a:prstGeom prst="rect">
+            <a:avLst/>
+          </a:prstGeom>
+          <a:noFill/>
+        </p:spPr>
+        <p:txBody>
+          <a:bodyPr wrap="none" rtlCol="0">
+            <a:spAutoFit/>
+          </a:bodyPr>
+          <a:lstStyle/>
+          <a:p>
+            <a:r>
+              <a:rPr lang="en-US" altLang="ja-JP" sz="1200" dirty="0">
+                <a:latin typeface="M PLUS 1 Medium" pitchFamily="2" charset="-128"/>
+                <a:ea typeface="M PLUS 1 Medium" pitchFamily="2" charset="-128"/>
+              </a:rPr>
+              <a:t>No</a:t>
+            </a:r>
+            <a:endParaRPr kumimoji="1" lang="ja-JP" altLang="en-US" sz="1200" dirty="0">
+              <a:latin typeface="M PLUS 1 Medium" pitchFamily="2" charset="-128"/>
+              <a:ea typeface="M PLUS 1 Medium" pitchFamily="2" charset="-128"/>
+            </a:endParaRPr>
+          </a:p>
+        </p:txBody>
+      </p:sp>
+      <p:sp>
+        <p:nvSpPr>
+          <p:cNvPr id="50" name="テキスト ボックス 49">
+            <a:extLst>
+              <a:ext uri="{FF2B5EF4-FFF2-40B4-BE49-F238E27FC236}">
+                <a16:creationId xmlns:a16="http://schemas.microsoft.com/office/drawing/2014/main" id="{84F1B4BD-D91E-40B5-A186-EE34EF9FB34F}"/>
+              </a:ext>
+            </a:extLst>
+          </p:cNvPr>
+          <p:cNvSpPr txBox="1"/>
+          <p:nvPr/>
+        </p:nvSpPr>
+        <p:spPr>
+          <a:xfrm>
+            <a:off x="5602588" y="3095440"/>
+            <a:ext cx="453970" cy="276999"/>
+          </a:xfrm>
+          <a:prstGeom prst="rect">
+            <a:avLst/>
+          </a:prstGeom>
+          <a:noFill/>
+        </p:spPr>
+        <p:txBody>
+          <a:bodyPr wrap="none" rtlCol="0">
+            <a:spAutoFit/>
+          </a:bodyPr>
+          <a:lstStyle/>
+          <a:p>
+            <a:r>
+              <a:rPr lang="en-US" altLang="ja-JP" sz="1200" dirty="0">
+                <a:latin typeface="M PLUS 1 Medium" pitchFamily="2" charset="-128"/>
+                <a:ea typeface="M PLUS 1 Medium" pitchFamily="2" charset="-128"/>
+              </a:rPr>
+              <a:t>Yes</a:t>
+            </a:r>
+            <a:endParaRPr kumimoji="1" lang="ja-JP" altLang="en-US" sz="1200" dirty="0">
+              <a:latin typeface="M PLUS 1 Medium" pitchFamily="2" charset="-128"/>
+              <a:ea typeface="M PLUS 1 Medium" pitchFamily="2" charset="-128"/>
+            </a:endParaRPr>
+          </a:p>
+        </p:txBody>
+      </p:sp>
+      <p:cxnSp>
+        <p:nvCxnSpPr>
+          <p:cNvPr id="55" name="コネクタ: カギ線 54">
+            <a:extLst>
+              <a:ext uri="{FF2B5EF4-FFF2-40B4-BE49-F238E27FC236}">
+                <a16:creationId xmlns:a16="http://schemas.microsoft.com/office/drawing/2014/main" id="{62642DC8-EEDC-45AE-970F-DE3373EE06A9}"/>
+              </a:ext>
+            </a:extLst>
+          </p:cNvPr>
+          <p:cNvCxnSpPr>
+            <a:stCxn id="44" idx="2"/>
+          </p:cNvCxnSpPr>
+          <p:nvPr/>
+        </p:nvCxnSpPr>
+        <p:spPr>
+          <a:xfrm rot="5400000">
+            <a:off x="6651120" y="3785808"/>
+            <a:ext cx="354898" cy="1465137"/>
+          </a:xfrm>
+          <a:prstGeom prst="bentConnector2">
+            <a:avLst/>
+          </a:prstGeom>
+          <a:ln w="28575">
+            <a:solidFill>
+              <a:schemeClr val="tx1"/>
+            </a:solidFill>
+            <a:tailEnd type="triangle"/>
           </a:ln>
         </p:spPr>
         <p:style>
